--- a/Aulas/LC Lib.pptx
+++ b/Aulas/LC Lib.pptx
@@ -5436,7 +5436,7 @@
       </p:sp>
       <p:pic>
         <p:nvPicPr>
-          <p:cNvPr id="3075" name="Picture 3" descr="C:\Users\alunoinfo\Downloads\lcd_110816_bb - Cópia.png"/>
+          <p:cNvPr id="1026" name="Picture 2" descr="C:\Users\alunoinfo\Downloads\lcd_110816_bb - Cópia.png"/>
           <p:cNvPicPr>
             <a:picLocks noChangeAspect="1" noChangeArrowheads="1"/>
           </p:cNvPicPr>
@@ -5457,8 +5457,8 @@
         </p:blipFill>
         <p:spPr bwMode="auto">
           <a:xfrm>
-            <a:off x="791580" y="1052736"/>
-            <a:ext cx="7560840" cy="3672408"/>
+            <a:off x="1151620" y="1156432"/>
+            <a:ext cx="6840761" cy="3496703"/>
           </a:xfrm>
           <a:prstGeom prst="rect">
             <a:avLst/>
@@ -6897,7 +6897,7 @@
       </p:sp>
       <p:pic>
         <p:nvPicPr>
-          <p:cNvPr id="1026" name="Picture 2" descr="C:\Users\alunoinfo\Downloads\lcd_110816_bb.png"/>
+          <p:cNvPr id="2050" name="Picture 2" descr="C:\Users\alunoinfo\Downloads\lcd_110816_bb.png"/>
           <p:cNvPicPr>
             <a:picLocks noChangeAspect="1" noChangeArrowheads="1"/>
           </p:cNvPicPr>
@@ -6918,8 +6918,8 @@
         </p:blipFill>
         <p:spPr bwMode="auto">
           <a:xfrm>
-            <a:off x="1511660" y="1268760"/>
-            <a:ext cx="6120680" cy="3112695"/>
+            <a:off x="1295636" y="1124744"/>
+            <a:ext cx="6552728" cy="3332706"/>
           </a:xfrm>
           <a:prstGeom prst="rect">
             <a:avLst/>
